--- a/1119進捗.pptx
+++ b/1119進捗.pptx
@@ -5,14 +5,18 @@
     <p:sldMasterId id="2147483648" r:id="rId1"/>
   </p:sldMasterIdLst>
   <p:notesMasterIdLst>
-    <p:notesMasterId r:id="rId7"/>
+    <p:notesMasterId r:id="rId11"/>
   </p:notesMasterIdLst>
   <p:sldIdLst>
     <p:sldId id="256" r:id="rId2"/>
     <p:sldId id="257" r:id="rId3"/>
     <p:sldId id="258" r:id="rId4"/>
     <p:sldId id="260" r:id="rId5"/>
-    <p:sldId id="259" r:id="rId6"/>
+    <p:sldId id="261" r:id="rId6"/>
+    <p:sldId id="262" r:id="rId7"/>
+    <p:sldId id="263" r:id="rId8"/>
+    <p:sldId id="264" r:id="rId9"/>
+    <p:sldId id="259" r:id="rId10"/>
   </p:sldIdLst>
   <p:sldSz cx="9144000" cy="6858000" type="screen4x3"/>
   <p:notesSz cx="6858000" cy="9144000"/>
@@ -120,6 +124,10 @@
             <p14:sldId id="257"/>
             <p14:sldId id="258"/>
             <p14:sldId id="260"/>
+            <p14:sldId id="261"/>
+            <p14:sldId id="262"/>
+            <p14:sldId id="263"/>
+            <p14:sldId id="264"/>
             <p14:sldId id="259"/>
           </p14:sldIdLst>
         </p14:section>
@@ -3962,7 +3970,7 @@
           <p:cNvPr id="2" name="タイトル 1">
             <a:extLst>
               <a:ext uri="{FF2B5EF4-FFF2-40B4-BE49-F238E27FC236}">
-                <a16:creationId xmlns:a16="http://schemas.microsoft.com/office/drawing/2014/main" id="{03AEA98D-28D2-FA48-97B3-86088F76AB48}"/>
+                <a16:creationId xmlns:a16="http://schemas.microsoft.com/office/drawing/2014/main" xmlns="" id="{03AEA98D-28D2-FA48-97B3-86088F76AB48}"/>
               </a:ext>
             </a:extLst>
           </p:cNvPr>
@@ -3990,7 +3998,7 @@
           <p:cNvPr id="3" name="コンテンツ プレースホルダー 2">
             <a:extLst>
               <a:ext uri="{FF2B5EF4-FFF2-40B4-BE49-F238E27FC236}">
-                <a16:creationId xmlns:a16="http://schemas.microsoft.com/office/drawing/2014/main" id="{ACF9F2EE-7053-DA44-8620-5AFAE635ABFD}"/>
+                <a16:creationId xmlns:a16="http://schemas.microsoft.com/office/drawing/2014/main" xmlns="" id="{ACF9F2EE-7053-DA44-8620-5AFAE635ABFD}"/>
               </a:ext>
             </a:extLst>
           </p:cNvPr>
@@ -4062,7 +4070,7 @@
           <p:cNvPr id="4" name="スライド番号プレースホルダー 3">
             <a:extLst>
               <a:ext uri="{FF2B5EF4-FFF2-40B4-BE49-F238E27FC236}">
-                <a16:creationId xmlns:a16="http://schemas.microsoft.com/office/drawing/2014/main" id="{3F843684-163F-D74F-B8D3-D3B3B43CBFED}"/>
+                <a16:creationId xmlns:a16="http://schemas.microsoft.com/office/drawing/2014/main" xmlns="" id="{3F843684-163F-D74F-B8D3-D3B3B43CBFED}"/>
               </a:ext>
             </a:extLst>
           </p:cNvPr>
@@ -4123,7 +4131,7 @@
           <p:cNvPr id="2" name="タイトル 1">
             <a:extLst>
               <a:ext uri="{FF2B5EF4-FFF2-40B4-BE49-F238E27FC236}">
-                <a16:creationId xmlns:a16="http://schemas.microsoft.com/office/drawing/2014/main" id="{13949B60-E94B-E84A-92C1-B79DAE9A9C8B}"/>
+                <a16:creationId xmlns:a16="http://schemas.microsoft.com/office/drawing/2014/main" xmlns="" id="{13949B60-E94B-E84A-92C1-B79DAE9A9C8B}"/>
               </a:ext>
             </a:extLst>
           </p:cNvPr>
@@ -4151,7 +4159,7 @@
           <p:cNvPr id="3" name="コンテンツ プレースホルダー 2">
             <a:extLst>
               <a:ext uri="{FF2B5EF4-FFF2-40B4-BE49-F238E27FC236}">
-                <a16:creationId xmlns:a16="http://schemas.microsoft.com/office/drawing/2014/main" id="{CE382E80-61CB-6C4E-A645-083A6C5FA89E}"/>
+                <a16:creationId xmlns:a16="http://schemas.microsoft.com/office/drawing/2014/main" xmlns="" id="{CE382E80-61CB-6C4E-A645-083A6C5FA89E}"/>
               </a:ext>
             </a:extLst>
           </p:cNvPr>
@@ -4234,7 +4242,7 @@
           <p:cNvPr id="4" name="スライド番号プレースホルダー 3">
             <a:extLst>
               <a:ext uri="{FF2B5EF4-FFF2-40B4-BE49-F238E27FC236}">
-                <a16:creationId xmlns:a16="http://schemas.microsoft.com/office/drawing/2014/main" id="{5EFFBEF8-5DD7-2D41-9282-EEA59D9BD947}"/>
+                <a16:creationId xmlns:a16="http://schemas.microsoft.com/office/drawing/2014/main" xmlns="" id="{5EFFBEF8-5DD7-2D41-9282-EEA59D9BD947}"/>
               </a:ext>
             </a:extLst>
           </p:cNvPr>
@@ -4295,7 +4303,7 @@
           <p:cNvPr id="2" name="タイトル 1">
             <a:extLst>
               <a:ext uri="{FF2B5EF4-FFF2-40B4-BE49-F238E27FC236}">
-                <a16:creationId xmlns:a16="http://schemas.microsoft.com/office/drawing/2014/main" id="{909AB6E6-5E83-DD45-9D6E-BE26E77E5D99}"/>
+                <a16:creationId xmlns:a16="http://schemas.microsoft.com/office/drawing/2014/main" xmlns="" id="{909AB6E6-5E83-DD45-9D6E-BE26E77E5D99}"/>
               </a:ext>
             </a:extLst>
           </p:cNvPr>
@@ -4323,7 +4331,7 @@
           <p:cNvPr id="3" name="コンテンツ プレースホルダー 2">
             <a:extLst>
               <a:ext uri="{FF2B5EF4-FFF2-40B4-BE49-F238E27FC236}">
-                <a16:creationId xmlns:a16="http://schemas.microsoft.com/office/drawing/2014/main" id="{DDC48044-662F-E342-9350-01E6291C3C06}"/>
+                <a16:creationId xmlns:a16="http://schemas.microsoft.com/office/drawing/2014/main" xmlns="" id="{DDC48044-662F-E342-9350-01E6291C3C06}"/>
               </a:ext>
             </a:extLst>
           </p:cNvPr>
@@ -4351,7 +4359,7 @@
           <p:cNvPr id="4" name="スライド番号プレースホルダー 3">
             <a:extLst>
               <a:ext uri="{FF2B5EF4-FFF2-40B4-BE49-F238E27FC236}">
-                <a16:creationId xmlns:a16="http://schemas.microsoft.com/office/drawing/2014/main" id="{F5097C4E-B0AB-044B-B6EA-53AD69C90C37}"/>
+                <a16:creationId xmlns:a16="http://schemas.microsoft.com/office/drawing/2014/main" xmlns="" id="{F5097C4E-B0AB-044B-B6EA-53AD69C90C37}"/>
               </a:ext>
             </a:extLst>
           </p:cNvPr>
@@ -4382,7 +4390,7 @@
           <p:cNvPr id="6" name="図 5">
             <a:extLst>
               <a:ext uri="{FF2B5EF4-FFF2-40B4-BE49-F238E27FC236}">
-                <a16:creationId xmlns:a16="http://schemas.microsoft.com/office/drawing/2014/main" id="{AE97ADAD-CB3A-D340-AB56-74B6B5696CA5}"/>
+                <a16:creationId xmlns:a16="http://schemas.microsoft.com/office/drawing/2014/main" xmlns="" id="{AE97ADAD-CB3A-D340-AB56-74B6B5696CA5}"/>
               </a:ext>
             </a:extLst>
           </p:cNvPr>
@@ -4450,13 +4458,7 @@
       </p:grpSpPr>
       <p:sp>
         <p:nvSpPr>
-          <p:cNvPr id="2" name="タイトル 1">
-            <a:extLst>
-              <a:ext uri="{FF2B5EF4-FFF2-40B4-BE49-F238E27FC236}">
-                <a16:creationId xmlns:a16="http://schemas.microsoft.com/office/drawing/2014/main" id="{B90413F5-FC41-0D47-AFC4-58A05CBE2F8E}"/>
-              </a:ext>
-            </a:extLst>
-          </p:cNvPr>
+          <p:cNvPr id="2" name="タイトル 1"/>
           <p:cNvSpPr>
             <a:spLocks noGrp="1"/>
           </p:cNvSpPr>
@@ -4470,21 +4472,20 @@
           <a:lstStyle/>
           <a:p>
             <a:r>
-              <a:rPr kumimoji="1" lang="ja-JP" altLang="en-US"/>
-              <a:t>課題</a:t>
-            </a:r>
-          </a:p>
-        </p:txBody>
-      </p:sp>
-      <p:sp>
-        <p:nvSpPr>
-          <p:cNvPr id="3" name="コンテンツ プレースホルダー 2">
-            <a:extLst>
-              <a:ext uri="{FF2B5EF4-FFF2-40B4-BE49-F238E27FC236}">
-                <a16:creationId xmlns:a16="http://schemas.microsoft.com/office/drawing/2014/main" id="{C223137C-C59C-0F4F-9807-F2E693752103}"/>
-              </a:ext>
-            </a:extLst>
-          </p:cNvPr>
+              <a:rPr kumimoji="1" lang="en-US" altLang="ja-JP" dirty="0" smtClean="0"/>
+              <a:t>LTI</a:t>
+            </a:r>
+            <a:r>
+              <a:rPr kumimoji="1" lang="ja-JP" altLang="en-US" dirty="0" smtClean="0"/>
+              <a:t>の進捗</a:t>
+            </a:r>
+            <a:endParaRPr kumimoji="1" lang="ja-JP" altLang="en-US" dirty="0"/>
+          </a:p>
+        </p:txBody>
+      </p:sp>
+      <p:sp>
+        <p:nvSpPr>
+          <p:cNvPr id="3" name="コンテンツ プレースホルダー 2"/>
           <p:cNvSpPr>
             <a:spLocks noGrp="1"/>
           </p:cNvSpPr>
@@ -4498,22 +4499,27 @@
           <a:lstStyle/>
           <a:p>
             <a:r>
-              <a:rPr lang="ja-JP" altLang="en-US"/>
-              <a:t>線と画像の連携</a:t>
-            </a:r>
-            <a:endParaRPr kumimoji="1" lang="ja-JP" altLang="en-US"/>
-          </a:p>
-        </p:txBody>
-      </p:sp>
-      <p:sp>
-        <p:nvSpPr>
-          <p:cNvPr id="4" name="スライド番号プレースホルダー 3">
-            <a:extLst>
-              <a:ext uri="{FF2B5EF4-FFF2-40B4-BE49-F238E27FC236}">
-                <a16:creationId xmlns:a16="http://schemas.microsoft.com/office/drawing/2014/main" id="{BCB5806F-9B76-C943-A297-B8B86D3BDFEB}"/>
-              </a:ext>
-            </a:extLst>
-          </p:cNvPr>
+              <a:rPr kumimoji="1" lang="ja-JP" altLang="en-US" dirty="0" smtClean="0"/>
+              <a:t>チュートリアルが行き詰まった</a:t>
+            </a:r>
+            <a:r>
+              <a:rPr kumimoji="1" lang="en-US" altLang="ja-JP" dirty="0" smtClean="0"/>
+              <a:t/>
+            </a:r>
+            <a:br>
+              <a:rPr kumimoji="1" lang="en-US" altLang="ja-JP" dirty="0" smtClean="0"/>
+            </a:br>
+            <a:r>
+              <a:rPr lang="ja-JP" altLang="en-US" sz="2400" dirty="0" smtClean="0"/>
+              <a:t>ーエラーを吐かれるが、何がどう間違えているかわからない状態。そのためチュートリアルで詰まるまでに学んだことを、本番環境に実装していった。</a:t>
+            </a:r>
+            <a:endParaRPr lang="en-US" altLang="ja-JP" sz="2400" dirty="0" smtClean="0"/>
+          </a:p>
+        </p:txBody>
+      </p:sp>
+      <p:sp>
+        <p:nvSpPr>
+          <p:cNvPr id="4" name="スライド番号プレースホルダー 3"/>
           <p:cNvSpPr>
             <a:spLocks noGrp="1"/>
           </p:cNvSpPr>
@@ -4531,6 +4537,472 @@
               <a:rPr lang="ja-JP" altLang="en-US" smtClean="0"/>
               <a:pPr algn="ctr"/>
               <a:t>5</a:t>
+            </a:fld>
+            <a:endParaRPr lang="ja-JP" altLang="en-US" dirty="0"/>
+          </a:p>
+        </p:txBody>
+      </p:sp>
+    </p:spTree>
+    <p:extLst>
+      <p:ext uri="{BB962C8B-B14F-4D97-AF65-F5344CB8AC3E}">
+        <p14:creationId xmlns:p14="http://schemas.microsoft.com/office/powerpoint/2010/main" val="925934316"/>
+      </p:ext>
+    </p:extLst>
+  </p:cSld>
+  <p:clrMapOvr>
+    <a:masterClrMapping/>
+  </p:clrMapOvr>
+</p:sld>
+</file>
+
+<file path=ppt/slides/slide6.xml><?xml version="1.0" encoding="utf-8"?>
+<p:sld xmlns:a="http://schemas.openxmlformats.org/drawingml/2006/main" xmlns:r="http://schemas.openxmlformats.org/officeDocument/2006/relationships" xmlns:p="http://schemas.openxmlformats.org/presentationml/2006/main">
+  <p:cSld>
+    <p:spTree>
+      <p:nvGrpSpPr>
+        <p:cNvPr id="1" name=""/>
+        <p:cNvGrpSpPr/>
+        <p:nvPr/>
+      </p:nvGrpSpPr>
+      <p:grpSpPr>
+        <a:xfrm>
+          <a:off x="0" y="0"/>
+          <a:ext cx="0" cy="0"/>
+          <a:chOff x="0" y="0"/>
+          <a:chExt cx="0" cy="0"/>
+        </a:xfrm>
+      </p:grpSpPr>
+      <p:sp>
+        <p:nvSpPr>
+          <p:cNvPr id="2" name="タイトル 1"/>
+          <p:cNvSpPr>
+            <a:spLocks noGrp="1"/>
+          </p:cNvSpPr>
+          <p:nvPr>
+            <p:ph type="title"/>
+          </p:nvPr>
+        </p:nvSpPr>
+        <p:spPr/>
+        <p:txBody>
+          <a:bodyPr/>
+          <a:lstStyle/>
+          <a:p>
+            <a:r>
+              <a:rPr lang="ja-JP" altLang="en-US" dirty="0" smtClean="0"/>
+              <a:t>通信の成功時</a:t>
+            </a:r>
+            <a:endParaRPr kumimoji="1" lang="ja-JP" altLang="en-US" dirty="0"/>
+          </a:p>
+        </p:txBody>
+      </p:sp>
+      <p:pic>
+        <p:nvPicPr>
+          <p:cNvPr id="5" name="コンテンツ プレースホルダー 4"/>
+          <p:cNvPicPr>
+            <a:picLocks noGrp="1" noChangeAspect="1"/>
+          </p:cNvPicPr>
+          <p:nvPr>
+            <p:ph idx="1"/>
+          </p:nvPr>
+        </p:nvPicPr>
+        <p:blipFill>
+          <a:blip r:embed="rId2">
+            <a:extLst>
+              <a:ext uri="{28A0092B-C50C-407E-A947-70E740481C1C}">
+                <a14:useLocalDpi xmlns:a14="http://schemas.microsoft.com/office/drawing/2010/main" val="0"/>
+              </a:ext>
+            </a:extLst>
+          </a:blip>
+          <a:stretch>
+            <a:fillRect/>
+          </a:stretch>
+        </p:blipFill>
+        <p:spPr>
+          <a:xfrm>
+            <a:off x="145350" y="1417638"/>
+            <a:ext cx="8541450" cy="4819673"/>
+          </a:xfrm>
+        </p:spPr>
+      </p:pic>
+      <p:sp>
+        <p:nvSpPr>
+          <p:cNvPr id="4" name="スライド番号プレースホルダー 3"/>
+          <p:cNvSpPr>
+            <a:spLocks noGrp="1"/>
+          </p:cNvSpPr>
+          <p:nvPr>
+            <p:ph type="sldNum" sz="quarter" idx="12"/>
+          </p:nvPr>
+        </p:nvSpPr>
+        <p:spPr/>
+        <p:txBody>
+          <a:bodyPr/>
+          <a:lstStyle/>
+          <a:p>
+            <a:pPr algn="ctr"/>
+            <a:fld id="{CA23F248-F353-4F36-A746-B1953A38AE2D}" type="slidenum">
+              <a:rPr lang="ja-JP" altLang="en-US" smtClean="0"/>
+              <a:pPr algn="ctr"/>
+              <a:t>6</a:t>
+            </a:fld>
+            <a:endParaRPr lang="ja-JP" altLang="en-US" dirty="0"/>
+          </a:p>
+        </p:txBody>
+      </p:sp>
+    </p:spTree>
+    <p:extLst>
+      <p:ext uri="{BB962C8B-B14F-4D97-AF65-F5344CB8AC3E}">
+        <p14:creationId xmlns:p14="http://schemas.microsoft.com/office/powerpoint/2010/main" val="1057924563"/>
+      </p:ext>
+    </p:extLst>
+  </p:cSld>
+  <p:clrMapOvr>
+    <a:masterClrMapping/>
+  </p:clrMapOvr>
+</p:sld>
+</file>
+
+<file path=ppt/slides/slide7.xml><?xml version="1.0" encoding="utf-8"?>
+<p:sld xmlns:a="http://schemas.openxmlformats.org/drawingml/2006/main" xmlns:r="http://schemas.openxmlformats.org/officeDocument/2006/relationships" xmlns:p="http://schemas.openxmlformats.org/presentationml/2006/main">
+  <p:cSld>
+    <p:spTree>
+      <p:nvGrpSpPr>
+        <p:cNvPr id="1" name=""/>
+        <p:cNvGrpSpPr/>
+        <p:nvPr/>
+      </p:nvGrpSpPr>
+      <p:grpSpPr>
+        <a:xfrm>
+          <a:off x="0" y="0"/>
+          <a:ext cx="0" cy="0"/>
+          <a:chOff x="0" y="0"/>
+          <a:chExt cx="0" cy="0"/>
+        </a:xfrm>
+      </p:grpSpPr>
+      <p:sp>
+        <p:nvSpPr>
+          <p:cNvPr id="2" name="タイトル 1"/>
+          <p:cNvSpPr>
+            <a:spLocks noGrp="1"/>
+          </p:cNvSpPr>
+          <p:nvPr>
+            <p:ph type="title"/>
+          </p:nvPr>
+        </p:nvSpPr>
+        <p:spPr/>
+        <p:txBody>
+          <a:bodyPr/>
+          <a:lstStyle/>
+          <a:p>
+            <a:r>
+              <a:rPr kumimoji="1" lang="ja-JP" altLang="en-US" dirty="0" smtClean="0"/>
+              <a:t>通信の失敗時</a:t>
+            </a:r>
+            <a:endParaRPr kumimoji="1" lang="ja-JP" altLang="en-US" dirty="0"/>
+          </a:p>
+        </p:txBody>
+      </p:sp>
+      <p:pic>
+        <p:nvPicPr>
+          <p:cNvPr id="5" name="コンテンツ プレースホルダー 4"/>
+          <p:cNvPicPr>
+            <a:picLocks noGrp="1" noChangeAspect="1"/>
+          </p:cNvPicPr>
+          <p:nvPr>
+            <p:ph idx="1"/>
+          </p:nvPr>
+        </p:nvPicPr>
+        <p:blipFill>
+          <a:blip r:embed="rId2">
+            <a:extLst>
+              <a:ext uri="{28A0092B-C50C-407E-A947-70E740481C1C}">
+                <a14:useLocalDpi xmlns:a14="http://schemas.microsoft.com/office/drawing/2010/main" val="0"/>
+              </a:ext>
+            </a:extLst>
+          </a:blip>
+          <a:stretch>
+            <a:fillRect/>
+          </a:stretch>
+        </p:blipFill>
+        <p:spPr>
+          <a:xfrm>
+            <a:off x="129765" y="1417638"/>
+            <a:ext cx="8834723" cy="4747666"/>
+          </a:xfrm>
+        </p:spPr>
+      </p:pic>
+      <p:sp>
+        <p:nvSpPr>
+          <p:cNvPr id="4" name="スライド番号プレースホルダー 3"/>
+          <p:cNvSpPr>
+            <a:spLocks noGrp="1"/>
+          </p:cNvSpPr>
+          <p:nvPr>
+            <p:ph type="sldNum" sz="quarter" idx="12"/>
+          </p:nvPr>
+        </p:nvSpPr>
+        <p:spPr/>
+        <p:txBody>
+          <a:bodyPr/>
+          <a:lstStyle/>
+          <a:p>
+            <a:pPr algn="ctr"/>
+            <a:fld id="{CA23F248-F353-4F36-A746-B1953A38AE2D}" type="slidenum">
+              <a:rPr lang="ja-JP" altLang="en-US" smtClean="0"/>
+              <a:pPr algn="ctr"/>
+              <a:t>7</a:t>
+            </a:fld>
+            <a:endParaRPr lang="ja-JP" altLang="en-US" dirty="0"/>
+          </a:p>
+        </p:txBody>
+      </p:sp>
+    </p:spTree>
+    <p:extLst>
+      <p:ext uri="{BB962C8B-B14F-4D97-AF65-F5344CB8AC3E}">
+        <p14:creationId xmlns:p14="http://schemas.microsoft.com/office/powerpoint/2010/main" val="1353363460"/>
+      </p:ext>
+    </p:extLst>
+  </p:cSld>
+  <p:clrMapOvr>
+    <a:masterClrMapping/>
+  </p:clrMapOvr>
+</p:sld>
+</file>
+
+<file path=ppt/slides/slide8.xml><?xml version="1.0" encoding="utf-8"?>
+<p:sld xmlns:a="http://schemas.openxmlformats.org/drawingml/2006/main" xmlns:r="http://schemas.openxmlformats.org/officeDocument/2006/relationships" xmlns:p="http://schemas.openxmlformats.org/presentationml/2006/main">
+  <p:cSld>
+    <p:spTree>
+      <p:nvGrpSpPr>
+        <p:cNvPr id="1" name=""/>
+        <p:cNvGrpSpPr/>
+        <p:nvPr/>
+      </p:nvGrpSpPr>
+      <p:grpSpPr>
+        <a:xfrm>
+          <a:off x="0" y="0"/>
+          <a:ext cx="0" cy="0"/>
+          <a:chOff x="0" y="0"/>
+          <a:chExt cx="0" cy="0"/>
+        </a:xfrm>
+      </p:grpSpPr>
+      <p:sp>
+        <p:nvSpPr>
+          <p:cNvPr id="2" name="タイトル 1"/>
+          <p:cNvSpPr>
+            <a:spLocks noGrp="1"/>
+          </p:cNvSpPr>
+          <p:nvPr>
+            <p:ph type="title"/>
+          </p:nvPr>
+        </p:nvSpPr>
+        <p:spPr/>
+        <p:txBody>
+          <a:bodyPr/>
+          <a:lstStyle/>
+          <a:p>
+            <a:r>
+              <a:rPr kumimoji="1" lang="en-US" altLang="ja-JP" dirty="0" smtClean="0"/>
+              <a:t>LTI</a:t>
+            </a:r>
+            <a:r>
+              <a:rPr kumimoji="1" lang="ja-JP" altLang="en-US" dirty="0" smtClean="0"/>
+              <a:t>の進捗</a:t>
+            </a:r>
+            <a:endParaRPr kumimoji="1" lang="ja-JP" altLang="en-US" dirty="0"/>
+          </a:p>
+        </p:txBody>
+      </p:sp>
+      <p:sp>
+        <p:nvSpPr>
+          <p:cNvPr id="3" name="コンテンツ プレースホルダー 2"/>
+          <p:cNvSpPr>
+            <a:spLocks noGrp="1"/>
+          </p:cNvSpPr>
+          <p:nvPr>
+            <p:ph idx="1"/>
+          </p:nvPr>
+        </p:nvSpPr>
+        <p:spPr/>
+        <p:txBody>
+          <a:bodyPr/>
+          <a:lstStyle/>
+          <a:p>
+            <a:r>
+              <a:rPr kumimoji="1" lang="ja-JP" altLang="en-US" dirty="0" smtClean="0"/>
+              <a:t>通信が成功、失敗時共にログが残るように設定した。</a:t>
+            </a:r>
+            <a:r>
+              <a:rPr kumimoji="1" lang="en-US" altLang="ja-JP" dirty="0" smtClean="0"/>
+              <a:t/>
+            </a:r>
+            <a:br>
+              <a:rPr kumimoji="1" lang="en-US" altLang="ja-JP" dirty="0" smtClean="0"/>
+            </a:br>
+            <a:r>
+              <a:rPr lang="ja-JP" altLang="en-US" sz="2400" dirty="0" smtClean="0"/>
+              <a:t>ーしかし、ログの観測ができなかったので、どこに飛んで行っているかを観測し、ログがちゃんと残るようにする。</a:t>
+            </a:r>
+            <a:endParaRPr kumimoji="1" lang="ja-JP" altLang="en-US" dirty="0"/>
+          </a:p>
+        </p:txBody>
+      </p:sp>
+      <p:sp>
+        <p:nvSpPr>
+          <p:cNvPr id="4" name="スライド番号プレースホルダー 3"/>
+          <p:cNvSpPr>
+            <a:spLocks noGrp="1"/>
+          </p:cNvSpPr>
+          <p:nvPr>
+            <p:ph type="sldNum" sz="quarter" idx="12"/>
+          </p:nvPr>
+        </p:nvSpPr>
+        <p:spPr/>
+        <p:txBody>
+          <a:bodyPr/>
+          <a:lstStyle/>
+          <a:p>
+            <a:pPr algn="ctr"/>
+            <a:fld id="{CA23F248-F353-4F36-A746-B1953A38AE2D}" type="slidenum">
+              <a:rPr lang="ja-JP" altLang="en-US" smtClean="0"/>
+              <a:pPr algn="ctr"/>
+              <a:t>8</a:t>
+            </a:fld>
+            <a:endParaRPr lang="ja-JP" altLang="en-US" dirty="0"/>
+          </a:p>
+        </p:txBody>
+      </p:sp>
+    </p:spTree>
+    <p:extLst>
+      <p:ext uri="{BB962C8B-B14F-4D97-AF65-F5344CB8AC3E}">
+        <p14:creationId xmlns:p14="http://schemas.microsoft.com/office/powerpoint/2010/main" val="225839365"/>
+      </p:ext>
+    </p:extLst>
+  </p:cSld>
+  <p:clrMapOvr>
+    <a:masterClrMapping/>
+  </p:clrMapOvr>
+</p:sld>
+</file>
+
+<file path=ppt/slides/slide9.xml><?xml version="1.0" encoding="utf-8"?>
+<p:sld xmlns:a="http://schemas.openxmlformats.org/drawingml/2006/main" xmlns:r="http://schemas.openxmlformats.org/officeDocument/2006/relationships" xmlns:p="http://schemas.openxmlformats.org/presentationml/2006/main">
+  <p:cSld>
+    <p:spTree>
+      <p:nvGrpSpPr>
+        <p:cNvPr id="1" name=""/>
+        <p:cNvGrpSpPr/>
+        <p:nvPr/>
+      </p:nvGrpSpPr>
+      <p:grpSpPr>
+        <a:xfrm>
+          <a:off x="0" y="0"/>
+          <a:ext cx="0" cy="0"/>
+          <a:chOff x="0" y="0"/>
+          <a:chExt cx="0" cy="0"/>
+        </a:xfrm>
+      </p:grpSpPr>
+      <p:sp>
+        <p:nvSpPr>
+          <p:cNvPr id="2" name="タイトル 1">
+            <a:extLst>
+              <a:ext uri="{FF2B5EF4-FFF2-40B4-BE49-F238E27FC236}">
+                <a16:creationId xmlns:a16="http://schemas.microsoft.com/office/drawing/2014/main" xmlns="" id="{B90413F5-FC41-0D47-AFC4-58A05CBE2F8E}"/>
+              </a:ext>
+            </a:extLst>
+          </p:cNvPr>
+          <p:cNvSpPr>
+            <a:spLocks noGrp="1"/>
+          </p:cNvSpPr>
+          <p:nvPr>
+            <p:ph type="title"/>
+          </p:nvPr>
+        </p:nvSpPr>
+        <p:spPr/>
+        <p:txBody>
+          <a:bodyPr/>
+          <a:lstStyle/>
+          <a:p>
+            <a:r>
+              <a:rPr kumimoji="1" lang="ja-JP" altLang="en-US"/>
+              <a:t>課題</a:t>
+            </a:r>
+          </a:p>
+        </p:txBody>
+      </p:sp>
+      <p:sp>
+        <p:nvSpPr>
+          <p:cNvPr id="3" name="コンテンツ プレースホルダー 2">
+            <a:extLst>
+              <a:ext uri="{FF2B5EF4-FFF2-40B4-BE49-F238E27FC236}">
+                <a16:creationId xmlns:a16="http://schemas.microsoft.com/office/drawing/2014/main" xmlns="" id="{C223137C-C59C-0F4F-9807-F2E693752103}"/>
+              </a:ext>
+            </a:extLst>
+          </p:cNvPr>
+          <p:cNvSpPr>
+            <a:spLocks noGrp="1"/>
+          </p:cNvSpPr>
+          <p:nvPr>
+            <p:ph idx="1"/>
+          </p:nvPr>
+        </p:nvSpPr>
+        <p:spPr/>
+        <p:txBody>
+          <a:bodyPr/>
+          <a:lstStyle/>
+          <a:p>
+            <a:r>
+              <a:rPr lang="ja-JP" altLang="en-US" dirty="0"/>
+              <a:t>線と画像の</a:t>
+            </a:r>
+            <a:r>
+              <a:rPr lang="ja-JP" altLang="en-US" dirty="0" smtClean="0"/>
+              <a:t>連携</a:t>
+            </a:r>
+            <a:endParaRPr lang="en-US" altLang="ja-JP" dirty="0" smtClean="0"/>
+          </a:p>
+          <a:p>
+            <a:endParaRPr kumimoji="1" lang="en-US" altLang="ja-JP" dirty="0"/>
+          </a:p>
+          <a:p>
+            <a:r>
+              <a:rPr lang="ja-JP" altLang="en-US" dirty="0" smtClean="0"/>
+              <a:t>本番</a:t>
+            </a:r>
+            <a:r>
+              <a:rPr lang="ja-JP" altLang="en-US" smtClean="0"/>
+              <a:t>環境の実装</a:t>
+            </a:r>
+            <a:endParaRPr kumimoji="1" lang="ja-JP" altLang="en-US"/>
+          </a:p>
+        </p:txBody>
+      </p:sp>
+      <p:sp>
+        <p:nvSpPr>
+          <p:cNvPr id="4" name="スライド番号プレースホルダー 3">
+            <a:extLst>
+              <a:ext uri="{FF2B5EF4-FFF2-40B4-BE49-F238E27FC236}">
+                <a16:creationId xmlns:a16="http://schemas.microsoft.com/office/drawing/2014/main" xmlns="" id="{BCB5806F-9B76-C943-A297-B8B86D3BDFEB}"/>
+              </a:ext>
+            </a:extLst>
+          </p:cNvPr>
+          <p:cNvSpPr>
+            <a:spLocks noGrp="1"/>
+          </p:cNvSpPr>
+          <p:nvPr>
+            <p:ph type="sldNum" sz="quarter" idx="12"/>
+          </p:nvPr>
+        </p:nvSpPr>
+        <p:spPr/>
+        <p:txBody>
+          <a:bodyPr/>
+          <a:lstStyle/>
+          <a:p>
+            <a:pPr algn="ctr"/>
+            <a:fld id="{CA23F248-F353-4F36-A746-B1953A38AE2D}" type="slidenum">
+              <a:rPr lang="ja-JP" altLang="en-US" smtClean="0"/>
+              <a:pPr algn="ctr"/>
+              <a:t>9</a:t>
             </a:fld>
             <a:endParaRPr lang="ja-JP" altLang="en-US" dirty="0"/>
           </a:p>

--- a/1119進捗.pptx
+++ b/1119進捗.pptx
@@ -3888,9 +3888,16 @@
             <p:ph type="ctrTitle"/>
           </p:nvPr>
         </p:nvSpPr>
-        <p:spPr/>
-        <p:txBody>
-          <a:bodyPr/>
+        <p:spPr>
+          <a:xfrm>
+            <a:off x="539552" y="2130425"/>
+            <a:ext cx="7918648" cy="1470025"/>
+          </a:xfrm>
+        </p:spPr>
+        <p:txBody>
+          <a:bodyPr>
+            <a:normAutofit fontScale="90000"/>
+          </a:bodyPr>
           <a:lstStyle/>
           <a:p>
             <a:r>
@@ -3899,7 +3906,26 @@
             </a:r>
             <a:r>
               <a:rPr lang="ja-JP" altLang="en-US" dirty="0"/>
-              <a:t>に準拠したネットワーク学習システムの開発</a:t>
+              <a:t>に準拠</a:t>
+            </a:r>
+            <a:r>
+              <a:rPr lang="ja-JP" altLang="en-US" dirty="0" smtClean="0"/>
+              <a:t>した</a:t>
+            </a:r>
+            <a:r>
+              <a:rPr lang="en-US" altLang="ja-JP" dirty="0" smtClean="0"/>
+              <a:t/>
+            </a:r>
+            <a:br>
+              <a:rPr lang="en-US" altLang="ja-JP" dirty="0" smtClean="0"/>
+            </a:br>
+            <a:r>
+              <a:rPr lang="ja-JP" altLang="en-US" dirty="0" smtClean="0"/>
+              <a:t>ネットワーク</a:t>
+            </a:r>
+            <a:r>
+              <a:rPr lang="ja-JP" altLang="en-US" dirty="0"/>
+              <a:t>学習システムの開発</a:t>
             </a:r>
             <a:endParaRPr kumimoji="1" lang="ja-JP" altLang="en-US" dirty="0"/>
           </a:p>
@@ -3945,6 +3971,13 @@
   <p:clrMapOvr>
     <a:masterClrMapping/>
   </p:clrMapOvr>
+  <p:timing>
+    <p:tnLst>
+      <p:par>
+        <p:cTn id="1" dur="indefinite" restart="never" nodeType="tmRoot"/>
+      </p:par>
+    </p:tnLst>
+  </p:timing>
 </p:sld>
 </file>
 
@@ -3970,7 +4003,7 @@
           <p:cNvPr id="2" name="タイトル 1">
             <a:extLst>
               <a:ext uri="{FF2B5EF4-FFF2-40B4-BE49-F238E27FC236}">
-                <a16:creationId xmlns:a16="http://schemas.microsoft.com/office/drawing/2014/main" xmlns="" id="{03AEA98D-28D2-FA48-97B3-86088F76AB48}"/>
+                <a16:creationId xmlns="" xmlns:a16="http://schemas.microsoft.com/office/drawing/2014/main" id="{03AEA98D-28D2-FA48-97B3-86088F76AB48}"/>
               </a:ext>
             </a:extLst>
           </p:cNvPr>
@@ -3998,7 +4031,7 @@
           <p:cNvPr id="3" name="コンテンツ プレースホルダー 2">
             <a:extLst>
               <a:ext uri="{FF2B5EF4-FFF2-40B4-BE49-F238E27FC236}">
-                <a16:creationId xmlns:a16="http://schemas.microsoft.com/office/drawing/2014/main" xmlns="" id="{ACF9F2EE-7053-DA44-8620-5AFAE635ABFD}"/>
+                <a16:creationId xmlns="" xmlns:a16="http://schemas.microsoft.com/office/drawing/2014/main" id="{ACF9F2EE-7053-DA44-8620-5AFAE635ABFD}"/>
               </a:ext>
             </a:extLst>
           </p:cNvPr>
@@ -4070,7 +4103,7 @@
           <p:cNvPr id="4" name="スライド番号プレースホルダー 3">
             <a:extLst>
               <a:ext uri="{FF2B5EF4-FFF2-40B4-BE49-F238E27FC236}">
-                <a16:creationId xmlns:a16="http://schemas.microsoft.com/office/drawing/2014/main" xmlns="" id="{3F843684-163F-D74F-B8D3-D3B3B43CBFED}"/>
+                <a16:creationId xmlns="" xmlns:a16="http://schemas.microsoft.com/office/drawing/2014/main" id="{3F843684-163F-D74F-B8D3-D3B3B43CBFED}"/>
               </a:ext>
             </a:extLst>
           </p:cNvPr>
@@ -4106,6 +4139,13 @@
   <p:clrMapOvr>
     <a:masterClrMapping/>
   </p:clrMapOvr>
+  <p:timing>
+    <p:tnLst>
+      <p:par>
+        <p:cTn id="1" dur="indefinite" restart="never" nodeType="tmRoot"/>
+      </p:par>
+    </p:tnLst>
+  </p:timing>
 </p:sld>
 </file>
 
@@ -4131,7 +4171,7 @@
           <p:cNvPr id="2" name="タイトル 1">
             <a:extLst>
               <a:ext uri="{FF2B5EF4-FFF2-40B4-BE49-F238E27FC236}">
-                <a16:creationId xmlns:a16="http://schemas.microsoft.com/office/drawing/2014/main" xmlns="" id="{13949B60-E94B-E84A-92C1-B79DAE9A9C8B}"/>
+                <a16:creationId xmlns="" xmlns:a16="http://schemas.microsoft.com/office/drawing/2014/main" id="{13949B60-E94B-E84A-92C1-B79DAE9A9C8B}"/>
               </a:ext>
             </a:extLst>
           </p:cNvPr>
@@ -4159,7 +4199,7 @@
           <p:cNvPr id="3" name="コンテンツ プレースホルダー 2">
             <a:extLst>
               <a:ext uri="{FF2B5EF4-FFF2-40B4-BE49-F238E27FC236}">
-                <a16:creationId xmlns:a16="http://schemas.microsoft.com/office/drawing/2014/main" xmlns="" id="{CE382E80-61CB-6C4E-A645-083A6C5FA89E}"/>
+                <a16:creationId xmlns="" xmlns:a16="http://schemas.microsoft.com/office/drawing/2014/main" id="{CE382E80-61CB-6C4E-A645-083A6C5FA89E}"/>
               </a:ext>
             </a:extLst>
           </p:cNvPr>
@@ -4242,7 +4282,7 @@
           <p:cNvPr id="4" name="スライド番号プレースホルダー 3">
             <a:extLst>
               <a:ext uri="{FF2B5EF4-FFF2-40B4-BE49-F238E27FC236}">
-                <a16:creationId xmlns:a16="http://schemas.microsoft.com/office/drawing/2014/main" xmlns="" id="{5EFFBEF8-5DD7-2D41-9282-EEA59D9BD947}"/>
+                <a16:creationId xmlns="" xmlns:a16="http://schemas.microsoft.com/office/drawing/2014/main" id="{5EFFBEF8-5DD7-2D41-9282-EEA59D9BD947}"/>
               </a:ext>
             </a:extLst>
           </p:cNvPr>
@@ -4278,6 +4318,13 @@
   <p:clrMapOvr>
     <a:masterClrMapping/>
   </p:clrMapOvr>
+  <p:timing>
+    <p:tnLst>
+      <p:par>
+        <p:cTn id="1" dur="indefinite" restart="never" nodeType="tmRoot"/>
+      </p:par>
+    </p:tnLst>
+  </p:timing>
 </p:sld>
 </file>
 
@@ -4303,7 +4350,7 @@
           <p:cNvPr id="2" name="タイトル 1">
             <a:extLst>
               <a:ext uri="{FF2B5EF4-FFF2-40B4-BE49-F238E27FC236}">
-                <a16:creationId xmlns:a16="http://schemas.microsoft.com/office/drawing/2014/main" xmlns="" id="{909AB6E6-5E83-DD45-9D6E-BE26E77E5D99}"/>
+                <a16:creationId xmlns="" xmlns:a16="http://schemas.microsoft.com/office/drawing/2014/main" id="{909AB6E6-5E83-DD45-9D6E-BE26E77E5D99}"/>
               </a:ext>
             </a:extLst>
           </p:cNvPr>
@@ -4331,7 +4378,7 @@
           <p:cNvPr id="3" name="コンテンツ プレースホルダー 2">
             <a:extLst>
               <a:ext uri="{FF2B5EF4-FFF2-40B4-BE49-F238E27FC236}">
-                <a16:creationId xmlns:a16="http://schemas.microsoft.com/office/drawing/2014/main" xmlns="" id="{DDC48044-662F-E342-9350-01E6291C3C06}"/>
+                <a16:creationId xmlns="" xmlns:a16="http://schemas.microsoft.com/office/drawing/2014/main" id="{DDC48044-662F-E342-9350-01E6291C3C06}"/>
               </a:ext>
             </a:extLst>
           </p:cNvPr>
@@ -4359,7 +4406,7 @@
           <p:cNvPr id="4" name="スライド番号プレースホルダー 3">
             <a:extLst>
               <a:ext uri="{FF2B5EF4-FFF2-40B4-BE49-F238E27FC236}">
-                <a16:creationId xmlns:a16="http://schemas.microsoft.com/office/drawing/2014/main" xmlns="" id="{F5097C4E-B0AB-044B-B6EA-53AD69C90C37}"/>
+                <a16:creationId xmlns="" xmlns:a16="http://schemas.microsoft.com/office/drawing/2014/main" id="{F5097C4E-B0AB-044B-B6EA-53AD69C90C37}"/>
               </a:ext>
             </a:extLst>
           </p:cNvPr>
@@ -4390,7 +4437,7 @@
           <p:cNvPr id="6" name="図 5">
             <a:extLst>
               <a:ext uri="{FF2B5EF4-FFF2-40B4-BE49-F238E27FC236}">
-                <a16:creationId xmlns:a16="http://schemas.microsoft.com/office/drawing/2014/main" xmlns="" id="{AE97ADAD-CB3A-D340-AB56-74B6B5696CA5}"/>
+                <a16:creationId xmlns="" xmlns:a16="http://schemas.microsoft.com/office/drawing/2014/main" id="{AE97ADAD-CB3A-D340-AB56-74B6B5696CA5}"/>
               </a:ext>
             </a:extLst>
           </p:cNvPr>
@@ -4436,6 +4483,13 @@
   <p:clrMapOvr>
     <a:masterClrMapping/>
   </p:clrMapOvr>
+  <p:timing>
+    <p:tnLst>
+      <p:par>
+        <p:cTn id="1" dur="indefinite" restart="never" nodeType="tmRoot"/>
+      </p:par>
+    </p:tnLst>
+  </p:timing>
 </p:sld>
 </file>
 
@@ -4552,6 +4606,13 @@
   <p:clrMapOvr>
     <a:masterClrMapping/>
   </p:clrMapOvr>
+  <p:timing>
+    <p:tnLst>
+      <p:par>
+        <p:cTn id="1" dur="indefinite" restart="never" nodeType="tmRoot"/>
+      </p:par>
+    </p:tnLst>
+  </p:timing>
 </p:sld>
 </file>
 
@@ -4659,6 +4720,13 @@
   <p:clrMapOvr>
     <a:masterClrMapping/>
   </p:clrMapOvr>
+  <p:timing>
+    <p:tnLst>
+      <p:par>
+        <p:cTn id="1" dur="indefinite" restart="never" nodeType="tmRoot"/>
+      </p:par>
+    </p:tnLst>
+  </p:timing>
 </p:sld>
 </file>
 
@@ -4766,6 +4834,13 @@
   <p:clrMapOvr>
     <a:masterClrMapping/>
   </p:clrMapOvr>
+  <p:timing>
+    <p:tnLst>
+      <p:par>
+        <p:cTn id="1" dur="indefinite" restart="never" nodeType="tmRoot"/>
+      </p:par>
+    </p:tnLst>
+  </p:timing>
 </p:sld>
 </file>
 
@@ -4882,6 +4957,13 @@
   <p:clrMapOvr>
     <a:masterClrMapping/>
   </p:clrMapOvr>
+  <p:timing>
+    <p:tnLst>
+      <p:par>
+        <p:cTn id="1" dur="indefinite" restart="never" nodeType="tmRoot"/>
+      </p:par>
+    </p:tnLst>
+  </p:timing>
 </p:sld>
 </file>
 
@@ -4907,7 +4989,7 @@
           <p:cNvPr id="2" name="タイトル 1">
             <a:extLst>
               <a:ext uri="{FF2B5EF4-FFF2-40B4-BE49-F238E27FC236}">
-                <a16:creationId xmlns:a16="http://schemas.microsoft.com/office/drawing/2014/main" xmlns="" id="{B90413F5-FC41-0D47-AFC4-58A05CBE2F8E}"/>
+                <a16:creationId xmlns="" xmlns:a16="http://schemas.microsoft.com/office/drawing/2014/main" id="{B90413F5-FC41-0D47-AFC4-58A05CBE2F8E}"/>
               </a:ext>
             </a:extLst>
           </p:cNvPr>
@@ -4935,7 +5017,7 @@
           <p:cNvPr id="3" name="コンテンツ プレースホルダー 2">
             <a:extLst>
               <a:ext uri="{FF2B5EF4-FFF2-40B4-BE49-F238E27FC236}">
-                <a16:creationId xmlns:a16="http://schemas.microsoft.com/office/drawing/2014/main" xmlns="" id="{C223137C-C59C-0F4F-9807-F2E693752103}"/>
+                <a16:creationId xmlns="" xmlns:a16="http://schemas.microsoft.com/office/drawing/2014/main" id="{C223137C-C59C-0F4F-9807-F2E693752103}"/>
               </a:ext>
             </a:extLst>
           </p:cNvPr>
@@ -4982,7 +5064,7 @@
           <p:cNvPr id="4" name="スライド番号プレースホルダー 3">
             <a:extLst>
               <a:ext uri="{FF2B5EF4-FFF2-40B4-BE49-F238E27FC236}">
-                <a16:creationId xmlns:a16="http://schemas.microsoft.com/office/drawing/2014/main" xmlns="" id="{BCB5806F-9B76-C943-A297-B8B86D3BDFEB}"/>
+                <a16:creationId xmlns="" xmlns:a16="http://schemas.microsoft.com/office/drawing/2014/main" id="{BCB5806F-9B76-C943-A297-B8B86D3BDFEB}"/>
               </a:ext>
             </a:extLst>
           </p:cNvPr>
@@ -5018,6 +5100,13 @@
   <p:clrMapOvr>
     <a:masterClrMapping/>
   </p:clrMapOvr>
+  <p:timing>
+    <p:tnLst>
+      <p:par>
+        <p:cTn id="1" dur="indefinite" restart="never" nodeType="tmRoot"/>
+      </p:par>
+    </p:tnLst>
+  </p:timing>
 </p:sld>
 </file>
 
